--- a/diagram/ReVIEW Arch Diagram PPTX.pptx
+++ b/diagram/ReVIEW Arch Diagram PPTX.pptx
@@ -8,7 +8,7 @@
     <p:notesMasterId r:id="rId3"/>
   </p:notesMasterIdLst>
   <p:sldIdLst>
-    <p:sldId id="579" r:id="rId2"/>
+    <p:sldId id="580" r:id="rId2"/>
   </p:sldIdLst>
   <p:sldSz cx="12192000" cy="6858000"/>
   <p:notesSz cx="6858000" cy="9144000"/>
@@ -107,6 +107,11 @@
       </a:defRPr>
     </a:lvl9pPr>
   </p:defaultTextStyle>
+  <p:extLst>
+    <p:ext uri="{EFAFB233-063F-42B5-8137-9DF3F51BA10A}">
+      <p15:sldGuideLst xmlns:p15="http://schemas.microsoft.com/office/powerpoint/2012/main"/>
+    </p:ext>
+  </p:extLst>
 </p:presentation>
 </file>
 
@@ -3969,9 +3974,9 @@
           <p:nvPr/>
         </p:nvCxnSpPr>
         <p:spPr>
-          <a:xfrm>
-            <a:off x="999186" y="5276764"/>
-            <a:ext cx="1206004" cy="15099"/>
+          <a:xfrm flipV="1">
+            <a:off x="999190" y="5291863"/>
+            <a:ext cx="1206000" cy="8644"/>
           </a:xfrm>
           <a:prstGeom prst="straightConnector1">
             <a:avLst/>
@@ -4060,7 +4065,7 @@
         </p:nvGrpSpPr>
         <p:grpSpPr>
           <a:xfrm>
-            <a:off x="176761" y="5002444"/>
+            <a:off x="176765" y="5026187"/>
             <a:ext cx="1072750" cy="815043"/>
             <a:chOff x="255800" y="2767627"/>
             <a:chExt cx="1072750" cy="815043"/>
@@ -4203,7 +4208,7 @@
         </p:nvGrpSpPr>
         <p:grpSpPr>
           <a:xfrm>
-            <a:off x="8773353" y="3851341"/>
+            <a:off x="8908436" y="3851341"/>
             <a:ext cx="2292350" cy="1081376"/>
             <a:chOff x="282059" y="2198568"/>
             <a:chExt cx="2292350" cy="1081376"/>
@@ -5163,7 +5168,7 @@
         </p:nvGrpSpPr>
         <p:grpSpPr>
           <a:xfrm>
-            <a:off x="2309699" y="2484361"/>
+            <a:off x="1904451" y="2401233"/>
             <a:ext cx="1362074" cy="941090"/>
             <a:chOff x="9718006" y="1428568"/>
             <a:chExt cx="1362074" cy="941090"/>
@@ -5403,7 +5408,7 @@
         </p:nvGrpSpPr>
         <p:grpSpPr>
           <a:xfrm>
-            <a:off x="8713275" y="5251192"/>
+            <a:off x="8848358" y="5251192"/>
             <a:ext cx="2279650" cy="1040586"/>
             <a:chOff x="3970931" y="2170458"/>
             <a:chExt cx="2279650" cy="1040586"/>
@@ -5643,9 +5648,9 @@
         </p:nvGrpSpPr>
         <p:grpSpPr>
           <a:xfrm>
-            <a:off x="4814675" y="2483887"/>
+            <a:off x="3931436" y="2400759"/>
             <a:ext cx="1514084" cy="952337"/>
-            <a:chOff x="5738548" y="5067144"/>
+            <a:chOff x="4985660" y="5067144"/>
             <a:chExt cx="1290638" cy="928497"/>
           </a:xfrm>
         </p:grpSpPr>
@@ -5665,7 +5670,7 @@
           </p:nvSpPr>
           <p:spPr bwMode="auto">
             <a:xfrm>
-              <a:off x="5738548" y="5533976"/>
+              <a:off x="4985660" y="5533976"/>
               <a:ext cx="1290638" cy="461665"/>
             </a:xfrm>
             <a:prstGeom prst="rect">
@@ -5849,7 +5854,7 @@
           </p:blipFill>
           <p:spPr>
             <a:xfrm>
-              <a:off x="6154673" y="5067144"/>
+              <a:off x="5401785" y="5067144"/>
               <a:ext cx="457200" cy="457200"/>
             </a:xfrm>
             <a:prstGeom prst="rect">
@@ -5872,8 +5877,8 @@
         </p:nvSpPr>
         <p:spPr>
           <a:xfrm>
-            <a:off x="1798152" y="827948"/>
-            <a:ext cx="8953834" cy="5692121"/>
+            <a:off x="1798152" y="720514"/>
+            <a:ext cx="8953834" cy="5799556"/>
           </a:xfrm>
           <a:prstGeom prst="rect">
             <a:avLst/>
@@ -5969,7 +5974,7 @@
         </p:blipFill>
         <p:spPr>
           <a:xfrm>
-            <a:off x="1795659" y="829548"/>
+            <a:off x="1781222" y="717638"/>
             <a:ext cx="381000" cy="381000"/>
           </a:xfrm>
           <a:prstGeom prst="rect">
@@ -6263,10 +6268,10 @@
         </p:nvGrpSpPr>
         <p:grpSpPr>
           <a:xfrm>
-            <a:off x="3161550" y="2336194"/>
-            <a:ext cx="2279650" cy="1093341"/>
-            <a:chOff x="5148274" y="1627764"/>
-            <a:chExt cx="2279650" cy="1093341"/>
+            <a:off x="2475746" y="2253066"/>
+            <a:ext cx="2279650" cy="1278007"/>
+            <a:chOff x="5054755" y="1627764"/>
+            <a:chExt cx="2279650" cy="1278007"/>
           </a:xfrm>
         </p:grpSpPr>
         <p:pic>
@@ -6296,7 +6301,7 @@
           </p:blipFill>
           <p:spPr bwMode="auto">
             <a:xfrm>
-              <a:off x="5916735" y="1627764"/>
+              <a:off x="5823216" y="1627764"/>
               <a:ext cx="762000" cy="762000"/>
             </a:xfrm>
             <a:prstGeom prst="rect">
@@ -6343,8 +6348,8 @@
           </p:nvSpPr>
           <p:spPr bwMode="auto">
             <a:xfrm>
-              <a:off x="5148274" y="2444106"/>
-              <a:ext cx="2279650" cy="276999"/>
+              <a:off x="5054755" y="2444106"/>
+              <a:ext cx="2279650" cy="461665"/>
             </a:xfrm>
             <a:prstGeom prst="rect">
               <a:avLst/>
@@ -6483,7 +6488,18 @@
                   <a:ea typeface="Amazon Ember" panose="020B0603020204020204" pitchFamily="34" charset="0"/>
                   <a:cs typeface="Arial" panose="020B0604020202020204" pitchFamily="34" charset="0"/>
                 </a:rPr>
-                <a:t>Amazon Transcribe</a:t>
+                <a:t>Amazon </a:t>
+              </a:r>
+            </a:p>
+            <a:p>
+              <a:pPr algn="ctr" eaLnBrk="1" hangingPunct="1"/>
+              <a:r>
+                <a:rPr lang="en-US" altLang="en-US" sz="1200" dirty="0">
+                  <a:latin typeface="Arial" panose="020B0604020202020204" pitchFamily="34" charset="0"/>
+                  <a:ea typeface="Amazon Ember" panose="020B0603020204020204" pitchFamily="34" charset="0"/>
+                  <a:cs typeface="Arial" panose="020B0604020202020204" pitchFamily="34" charset="0"/>
+                </a:rPr>
+                <a:t>Transcribe</a:t>
               </a:r>
             </a:p>
           </p:txBody>
@@ -6516,7 +6532,7 @@
         </p:blipFill>
         <p:spPr>
           <a:xfrm>
-            <a:off x="8604787" y="2323488"/>
+            <a:off x="8719088" y="2323488"/>
             <a:ext cx="762000" cy="762000"/>
           </a:xfrm>
           <a:prstGeom prst="rect">
@@ -6540,7 +6556,7 @@
         </p:nvSpPr>
         <p:spPr bwMode="auto">
           <a:xfrm>
-            <a:off x="7845962" y="3079561"/>
+            <a:off x="7960263" y="3079561"/>
             <a:ext cx="2279650" cy="461665"/>
           </a:xfrm>
           <a:prstGeom prst="rect">
@@ -6804,7 +6820,7 @@
         </p:nvGrpSpPr>
         <p:grpSpPr>
           <a:xfrm>
-            <a:off x="2342540" y="3674076"/>
+            <a:off x="1937292" y="3674076"/>
             <a:ext cx="1290638" cy="928497"/>
             <a:chOff x="5738548" y="5067144"/>
             <a:chExt cx="1290638" cy="928497"/>
@@ -7037,8 +7053,8 @@
         </p:nvCxnSpPr>
         <p:spPr>
           <a:xfrm flipV="1">
-            <a:off x="2987265" y="3425451"/>
-            <a:ext cx="3471" cy="248625"/>
+            <a:off x="2582017" y="3342323"/>
+            <a:ext cx="3471" cy="331753"/>
           </a:xfrm>
           <a:prstGeom prst="straightConnector1">
             <a:avLst/>
@@ -7084,8 +7100,8 @@
         </p:nvCxnSpPr>
         <p:spPr>
           <a:xfrm>
-            <a:off x="3227825" y="2712961"/>
-            <a:ext cx="702186" cy="4233"/>
+            <a:off x="2822577" y="2629833"/>
+            <a:ext cx="421630" cy="4233"/>
           </a:xfrm>
           <a:prstGeom prst="straightConnector1">
             <a:avLst/>
@@ -7131,8 +7147,8 @@
         </p:nvCxnSpPr>
         <p:spPr>
           <a:xfrm>
-            <a:off x="4692011" y="2717194"/>
-            <a:ext cx="610832" cy="1163"/>
+            <a:off x="4006207" y="2634066"/>
+            <a:ext cx="413397" cy="1163"/>
           </a:xfrm>
           <a:prstGeom prst="straightConnector1">
             <a:avLst/>
@@ -7178,13 +7194,13 @@
         </p:nvCxnSpPr>
         <p:spPr>
           <a:xfrm rot="10800000">
-            <a:off x="5866661" y="4913822"/>
-            <a:ext cx="3594327" cy="718370"/>
+            <a:off x="5866660" y="4913822"/>
+            <a:ext cx="3729410" cy="718370"/>
           </a:xfrm>
           <a:prstGeom prst="bentConnector4">
             <a:avLst>
-              <a:gd name="adj1" fmla="val 15388"/>
-              <a:gd name="adj2" fmla="val 194083"/>
+              <a:gd name="adj1" fmla="val 18144"/>
+              <a:gd name="adj2" fmla="val 195466"/>
             </a:avLst>
           </a:prstGeom>
           <a:ln w="15875">
@@ -7228,8 +7244,8 @@
         </p:nvCxnSpPr>
         <p:spPr>
           <a:xfrm rot="5400000">
-            <a:off x="6739926" y="2667961"/>
-            <a:ext cx="1372596" cy="3119127"/>
+            <a:off x="6797076" y="2610810"/>
+            <a:ext cx="1372596" cy="3233428"/>
           </a:xfrm>
           <a:prstGeom prst="bentConnector3">
             <a:avLst>
@@ -7277,8 +7293,8 @@
         </p:nvCxnSpPr>
         <p:spPr>
           <a:xfrm>
-            <a:off x="3215865" y="3902676"/>
-            <a:ext cx="2650795" cy="1011146"/>
+            <a:off x="2810617" y="3902676"/>
+            <a:ext cx="3056043" cy="1011146"/>
           </a:xfrm>
           <a:prstGeom prst="bentConnector2">
             <a:avLst/>
@@ -7408,7 +7424,7 @@
         </p:nvSpPr>
         <p:spPr bwMode="auto">
           <a:xfrm>
-            <a:off x="9074656" y="4270687"/>
+            <a:off x="9220130" y="4270687"/>
             <a:ext cx="274320" cy="274320"/>
           </a:xfrm>
           <a:prstGeom prst="ellipse">
@@ -7580,7 +7596,7 @@
         </p:nvSpPr>
         <p:spPr bwMode="auto">
           <a:xfrm>
-            <a:off x="8657668" y="3732985"/>
+            <a:off x="8772219" y="3764379"/>
             <a:ext cx="274320" cy="274320"/>
           </a:xfrm>
           <a:prstGeom prst="ellipse">
@@ -7666,7 +7682,7 @@
         </p:nvSpPr>
         <p:spPr bwMode="auto">
           <a:xfrm>
-            <a:off x="7284373" y="3743945"/>
+            <a:off x="7461547" y="3756328"/>
             <a:ext cx="274320" cy="274320"/>
           </a:xfrm>
           <a:prstGeom prst="ellipse">
@@ -7763,7 +7779,7 @@
         </p:blipFill>
         <p:spPr bwMode="auto">
           <a:xfrm>
-            <a:off x="7221135" y="1296190"/>
+            <a:off x="7460128" y="1296190"/>
             <a:ext cx="762000" cy="762000"/>
           </a:xfrm>
           <a:prstGeom prst="rect">
@@ -7810,7 +7826,7 @@
         </p:nvSpPr>
         <p:spPr bwMode="auto">
           <a:xfrm>
-            <a:off x="6496482" y="870930"/>
+            <a:off x="6735475" y="870930"/>
             <a:ext cx="2292350" cy="461665"/>
           </a:xfrm>
           <a:prstGeom prst="rect">
@@ -7973,8 +7989,8 @@
         </p:nvCxnSpPr>
         <p:spPr>
           <a:xfrm rot="10800000" flipV="1">
-            <a:off x="5866661" y="4232340"/>
-            <a:ext cx="3594327" cy="681481"/>
+            <a:off x="5866660" y="4232340"/>
+            <a:ext cx="3729410" cy="681481"/>
           </a:xfrm>
           <a:prstGeom prst="bentConnector2">
             <a:avLst/>
@@ -8004,10 +8020,10 @@
       </p:cxnSp>
       <p:grpSp>
         <p:nvGrpSpPr>
-          <p:cNvPr id="70" name="Group 69">
-            <a:extLst>
-              <a:ext uri="{FF2B5EF4-FFF2-40B4-BE49-F238E27FC236}">
-                <a16:creationId xmlns:a16="http://schemas.microsoft.com/office/drawing/2014/main" id="{264EE30A-C93B-B14B-360F-B8F1231641D5}"/>
+          <p:cNvPr id="101" name="Group 100">
+            <a:extLst>
+              <a:ext uri="{FF2B5EF4-FFF2-40B4-BE49-F238E27FC236}">
+                <a16:creationId xmlns:a16="http://schemas.microsoft.com/office/drawing/2014/main" id="{7007433D-486E-DD47-E6E1-4AF8FF754488}"/>
               </a:ext>
             </a:extLst>
           </p:cNvPr>
@@ -8016,10 +8032,10 @@
         </p:nvGrpSpPr>
         <p:grpSpPr>
           <a:xfrm>
-            <a:off x="5844220" y="2491041"/>
-            <a:ext cx="1362074" cy="941090"/>
-            <a:chOff x="5690673" y="1172119"/>
-            <a:chExt cx="1362074" cy="941090"/>
+            <a:off x="5709022" y="1744709"/>
+            <a:ext cx="1362074" cy="908495"/>
+            <a:chOff x="5637389" y="1627948"/>
+            <a:chExt cx="1362074" cy="908495"/>
           </a:xfrm>
         </p:grpSpPr>
         <p:sp>
@@ -8038,7 +8054,7 @@
           </p:nvSpPr>
           <p:spPr bwMode="auto">
             <a:xfrm>
-              <a:off x="5690673" y="1651544"/>
+              <a:off x="5637389" y="2074778"/>
               <a:ext cx="1362074" cy="461665"/>
             </a:xfrm>
             <a:prstGeom prst="rect">
@@ -8178,18 +8194,7 @@
                   <a:ea typeface="Amazon Ember" panose="020B0603020204020204" pitchFamily="34" charset="0"/>
                   <a:cs typeface="Arial" panose="020B0604020202020204" pitchFamily="34" charset="0"/>
                 </a:rPr>
-                <a:t>Lambda </a:t>
-              </a:r>
-            </a:p>
-            <a:p>
-              <a:pPr algn="ctr"/>
-              <a:r>
-                <a:rPr lang="en-US" altLang="en-US" sz="1200" dirty="0">
-                  <a:latin typeface="Arial" panose="020B0604020202020204" pitchFamily="34" charset="0"/>
-                  <a:ea typeface="Amazon Ember" panose="020B0603020204020204" pitchFamily="34" charset="0"/>
-                  <a:cs typeface="Arial" panose="020B0604020202020204" pitchFamily="34" charset="0"/>
-                </a:rPr>
-                <a:t>Sync</a:t>
+                <a:t>Lambda Launch Sync Job</a:t>
               </a:r>
             </a:p>
           </p:txBody>
@@ -8221,7 +8226,7 @@
           </p:blipFill>
           <p:spPr bwMode="auto">
             <a:xfrm>
-              <a:off x="6151599" y="1172119"/>
+              <a:off x="6011234" y="1627948"/>
               <a:ext cx="457200" cy="457200"/>
             </a:xfrm>
             <a:prstGeom prst="rect">
@@ -8267,7 +8272,7 @@
         </p:nvGrpSpPr>
         <p:grpSpPr>
           <a:xfrm>
-            <a:off x="6472692" y="2333920"/>
+            <a:off x="6711685" y="2250792"/>
             <a:ext cx="2279650" cy="1225252"/>
             <a:chOff x="7739753" y="1682290"/>
             <a:chExt cx="2279650" cy="1225252"/>
@@ -8483,100 +8488,6 @@
       </p:grpSp>
       <p:cxnSp>
         <p:nvCxnSpPr>
-          <p:cNvPr id="80" name="Straight Arrow Connector 79">
-            <a:extLst>
-              <a:ext uri="{FF2B5EF4-FFF2-40B4-BE49-F238E27FC236}">
-                <a16:creationId xmlns:a16="http://schemas.microsoft.com/office/drawing/2014/main" id="{F39516D6-DE6B-744C-DF1D-FB9116032C73}"/>
-              </a:ext>
-            </a:extLst>
-          </p:cNvPr>
-          <p:cNvCxnSpPr>
-            <a:cxnSpLocks/>
-            <a:stCxn id="39" idx="3"/>
-            <a:endCxn id="69" idx="1"/>
-          </p:cNvCxnSpPr>
-          <p:nvPr/>
-        </p:nvCxnSpPr>
-        <p:spPr>
-          <a:xfrm>
-            <a:off x="5839197" y="2718357"/>
-            <a:ext cx="465949" cy="1284"/>
-          </a:xfrm>
-          <a:prstGeom prst="straightConnector1">
-            <a:avLst/>
-          </a:prstGeom>
-          <a:ln w="15875">
-            <a:solidFill>
-              <a:schemeClr val="tx1"/>
-            </a:solidFill>
-            <a:headEnd type="none" w="med" len="sm"/>
-            <a:tailEnd type="arrow" w="med" len="sm"/>
-          </a:ln>
-        </p:spPr>
-        <p:style>
-          <a:lnRef idx="1">
-            <a:schemeClr val="accent1"/>
-          </a:lnRef>
-          <a:fillRef idx="0">
-            <a:schemeClr val="accent1"/>
-          </a:fillRef>
-          <a:effectRef idx="0">
-            <a:schemeClr val="accent1"/>
-          </a:effectRef>
-          <a:fontRef idx="minor">
-            <a:schemeClr val="tx1"/>
-          </a:fontRef>
-        </p:style>
-      </p:cxnSp>
-      <p:cxnSp>
-        <p:nvCxnSpPr>
-          <p:cNvPr id="83" name="Straight Arrow Connector 82">
-            <a:extLst>
-              <a:ext uri="{FF2B5EF4-FFF2-40B4-BE49-F238E27FC236}">
-                <a16:creationId xmlns:a16="http://schemas.microsoft.com/office/drawing/2014/main" id="{22134907-86B9-156C-503E-E15CDC072A6C}"/>
-              </a:ext>
-            </a:extLst>
-          </p:cNvPr>
-          <p:cNvCxnSpPr>
-            <a:cxnSpLocks/>
-            <a:stCxn id="69" idx="3"/>
-            <a:endCxn id="73" idx="1"/>
-          </p:cNvCxnSpPr>
-          <p:nvPr/>
-        </p:nvCxnSpPr>
-        <p:spPr>
-          <a:xfrm flipV="1">
-            <a:off x="6762346" y="2714920"/>
-            <a:ext cx="459646" cy="4721"/>
-          </a:xfrm>
-          <a:prstGeom prst="straightConnector1">
-            <a:avLst/>
-          </a:prstGeom>
-          <a:ln w="15875">
-            <a:solidFill>
-              <a:schemeClr val="tx1"/>
-            </a:solidFill>
-            <a:headEnd type="none" w="med" len="sm"/>
-            <a:tailEnd type="arrow" w="med" len="sm"/>
-          </a:ln>
-        </p:spPr>
-        <p:style>
-          <a:lnRef idx="1">
-            <a:schemeClr val="accent1"/>
-          </a:lnRef>
-          <a:fillRef idx="0">
-            <a:schemeClr val="accent1"/>
-          </a:fillRef>
-          <a:effectRef idx="0">
-            <a:schemeClr val="accent1"/>
-          </a:effectRef>
-          <a:fontRef idx="minor">
-            <a:schemeClr val="tx1"/>
-          </a:fontRef>
-        </p:style>
-      </p:cxnSp>
-      <p:cxnSp>
-        <p:nvCxnSpPr>
           <p:cNvPr id="86" name="Straight Arrow Connector 85">
             <a:extLst>
               <a:ext uri="{FF2B5EF4-FFF2-40B4-BE49-F238E27FC236}">
@@ -8593,8 +8504,8 @@
         </p:nvCxnSpPr>
         <p:spPr>
           <a:xfrm flipH="1" flipV="1">
-            <a:off x="7602135" y="2058190"/>
-            <a:ext cx="857" cy="275730"/>
+            <a:off x="7841128" y="2058190"/>
+            <a:ext cx="857" cy="192602"/>
           </a:xfrm>
           <a:prstGeom prst="straightConnector1">
             <a:avLst/>
@@ -8640,12 +8551,12 @@
         </p:nvCxnSpPr>
         <p:spPr>
           <a:xfrm rot="5400000">
-            <a:off x="6062264" y="3363569"/>
-            <a:ext cx="1354650" cy="1745857"/>
+            <a:off x="6140196" y="3202508"/>
+            <a:ext cx="1437778" cy="1984850"/>
           </a:xfrm>
           <a:prstGeom prst="bentConnector3">
             <a:avLst>
-              <a:gd name="adj1" fmla="val 50000"/>
+              <a:gd name="adj1" fmla="val 52168"/>
             </a:avLst>
           </a:prstGeom>
           <a:ln w="15875">
@@ -8688,7 +8599,7 @@
         </p:nvCxnSpPr>
         <p:spPr>
           <a:xfrm>
-            <a:off x="3215865" y="3902676"/>
+            <a:off x="2810617" y="3902676"/>
             <a:ext cx="1476146" cy="0"/>
           </a:xfrm>
           <a:prstGeom prst="straightConnector1">
@@ -8733,7 +8644,7 @@
         </p:nvSpPr>
         <p:spPr bwMode="auto">
           <a:xfrm>
-            <a:off x="9085897" y="5315718"/>
+            <a:off x="9231371" y="5315718"/>
             <a:ext cx="274320" cy="274320"/>
           </a:xfrm>
           <a:prstGeom prst="ellipse">
@@ -8810,10 +8721,640 @@
           </a:p>
         </p:txBody>
       </p:sp>
+      <p:grpSp>
+        <p:nvGrpSpPr>
+          <p:cNvPr id="10" name="Group 9" descr="AWS Step Functions workflow group.">
+            <a:extLst>
+              <a:ext uri="{FF2B5EF4-FFF2-40B4-BE49-F238E27FC236}">
+                <a16:creationId xmlns:a16="http://schemas.microsoft.com/office/drawing/2014/main" id="{11D8BD79-035A-93C9-87F8-4A42B053F804}"/>
+              </a:ext>
+            </a:extLst>
+          </p:cNvPr>
+          <p:cNvGrpSpPr/>
+          <p:nvPr/>
+        </p:nvGrpSpPr>
+        <p:grpSpPr>
+          <a:xfrm>
+            <a:off x="5620532" y="1616488"/>
+            <a:ext cx="1442532" cy="2029215"/>
+            <a:chOff x="339710" y="4871750"/>
+            <a:chExt cx="1764666" cy="814397"/>
+          </a:xfrm>
+        </p:grpSpPr>
+        <p:sp>
+          <p:nvSpPr>
+            <p:cNvPr id="12" name="Rectangle 11">
+              <a:extLst>
+                <a:ext uri="{FF2B5EF4-FFF2-40B4-BE49-F238E27FC236}">
+                  <a16:creationId xmlns:a16="http://schemas.microsoft.com/office/drawing/2014/main" id="{0834132B-5030-ECEA-F26F-D2C17FFF5BB6}"/>
+                </a:ext>
+              </a:extLst>
+            </p:cNvPr>
+            <p:cNvSpPr/>
+            <p:nvPr/>
+          </p:nvSpPr>
+          <p:spPr>
+            <a:xfrm>
+              <a:off x="339711" y="4872004"/>
+              <a:ext cx="1764665" cy="814143"/>
+            </a:xfrm>
+            <a:prstGeom prst="rect">
+              <a:avLst/>
+            </a:prstGeom>
+            <a:noFill/>
+            <a:ln w="15875">
+              <a:solidFill>
+                <a:srgbClr val="E7157B"/>
+              </a:solidFill>
+            </a:ln>
+          </p:spPr>
+          <p:style>
+            <a:lnRef idx="2">
+              <a:schemeClr val="accent1">
+                <a:shade val="50000"/>
+              </a:schemeClr>
+            </a:lnRef>
+            <a:fillRef idx="1">
+              <a:schemeClr val="accent1"/>
+            </a:fillRef>
+            <a:effectRef idx="0">
+              <a:schemeClr val="accent1"/>
+            </a:effectRef>
+            <a:fontRef idx="minor">
+              <a:schemeClr val="lt1"/>
+            </a:fontRef>
+          </p:style>
+          <p:txBody>
+            <a:bodyPr lIns="502920" tIns="91440"/>
+            <a:lstStyle/>
+            <a:p>
+              <a:pPr eaLnBrk="1" fontAlgn="auto" hangingPunct="1">
+                <a:spcBef>
+                  <a:spcPts val="0"/>
+                </a:spcBef>
+                <a:spcAft>
+                  <a:spcPts val="0"/>
+                </a:spcAft>
+                <a:defRPr/>
+              </a:pPr>
+              <a:endParaRPr lang="en-US" sz="1200" dirty="0">
+                <a:solidFill>
+                  <a:schemeClr val="tx1"/>
+                </a:solidFill>
+                <a:latin typeface="Arial" panose="020B0604020202020204" pitchFamily="34" charset="0"/>
+                <a:cs typeface="Arial" panose="020B0604020202020204" pitchFamily="34" charset="0"/>
+              </a:endParaRPr>
+            </a:p>
+          </p:txBody>
+        </p:sp>
+        <p:pic>
+          <p:nvPicPr>
+            <p:cNvPr id="14" name="Graphic 13" descr="AWS Step Functions workflow group icon. ">
+              <a:extLst>
+                <a:ext uri="{FF2B5EF4-FFF2-40B4-BE49-F238E27FC236}">
+                  <a16:creationId xmlns:a16="http://schemas.microsoft.com/office/drawing/2014/main" id="{8B4485D5-F555-A762-8CEC-0A9AC3A1F743}"/>
+                </a:ext>
+              </a:extLst>
+            </p:cNvPr>
+            <p:cNvPicPr>
+              <a:picLocks noChangeAspect="1"/>
+            </p:cNvPicPr>
+            <p:nvPr/>
+          </p:nvPicPr>
+          <p:blipFill>
+            <a:blip r:embed="rId33">
+              <a:extLst>
+                <a:ext uri="{96DAC541-7B7A-43D3-8B79-37D633B846F1}">
+                  <asvg:svgBlip xmlns:asvg="http://schemas.microsoft.com/office/drawing/2016/SVG/main" r:embed="rId34"/>
+                </a:ext>
+              </a:extLst>
+            </a:blip>
+            <a:srcRect/>
+            <a:stretch/>
+          </p:blipFill>
+          <p:spPr>
+            <a:xfrm>
+              <a:off x="339710" y="4871750"/>
+              <a:ext cx="381000" cy="165203"/>
+            </a:xfrm>
+            <a:prstGeom prst="rect">
+              <a:avLst/>
+            </a:prstGeom>
+          </p:spPr>
+        </p:pic>
+      </p:grpSp>
+      <p:sp>
+        <p:nvSpPr>
+          <p:cNvPr id="32" name="TextBox 17">
+            <a:extLst>
+              <a:ext uri="{FF2B5EF4-FFF2-40B4-BE49-F238E27FC236}">
+                <a16:creationId xmlns:a16="http://schemas.microsoft.com/office/drawing/2014/main" id="{24D87F8D-4B5A-966A-FCF3-F024C41B4E04}"/>
+              </a:ext>
+            </a:extLst>
+          </p:cNvPr>
+          <p:cNvSpPr txBox="1">
+            <a:spLocks noChangeArrowheads="1"/>
+          </p:cNvSpPr>
+          <p:nvPr/>
+        </p:nvSpPr>
+        <p:spPr bwMode="auto">
+          <a:xfrm>
+            <a:off x="5186452" y="1329415"/>
+            <a:ext cx="2292350" cy="276999"/>
+          </a:xfrm>
+          <a:prstGeom prst="rect">
+            <a:avLst/>
+          </a:prstGeom>
+          <a:noFill/>
+          <a:ln>
+            <a:noFill/>
+          </a:ln>
+          <a:extLst>
+            <a:ext uri="{909E8E84-426E-40DD-AFC4-6F175D3DCCD1}">
+              <a14:hiddenFill xmlns:a14="http://schemas.microsoft.com/office/drawing/2010/main">
+                <a:solidFill>
+                  <a:srgbClr val="FFFFFF"/>
+                </a:solidFill>
+              </a14:hiddenFill>
+            </a:ext>
+            <a:ext uri="{91240B29-F687-4F45-9708-019B960494DF}">
+              <a14:hiddenLine xmlns:a14="http://schemas.microsoft.com/office/drawing/2010/main" w="9525">
+                <a:solidFill>
+                  <a:srgbClr val="000000"/>
+                </a:solidFill>
+                <a:miter lim="800000"/>
+                <a:headEnd/>
+                <a:tailEnd/>
+              </a14:hiddenLine>
+            </a:ext>
+          </a:extLst>
+        </p:spPr>
+        <p:txBody>
+          <a:bodyPr>
+            <a:spAutoFit/>
+          </a:bodyPr>
+          <a:lstStyle>
+            <a:lvl1pPr>
+              <a:defRPr>
+                <a:solidFill>
+                  <a:schemeClr val="tx1"/>
+                </a:solidFill>
+                <a:latin typeface="Calibri" panose="020F0502020204030204" pitchFamily="34" charset="0"/>
+              </a:defRPr>
+            </a:lvl1pPr>
+            <a:lvl2pPr marL="742950" indent="-285750">
+              <a:defRPr>
+                <a:solidFill>
+                  <a:schemeClr val="tx1"/>
+                </a:solidFill>
+                <a:latin typeface="Calibri" panose="020F0502020204030204" pitchFamily="34" charset="0"/>
+              </a:defRPr>
+            </a:lvl2pPr>
+            <a:lvl3pPr marL="1143000" indent="-228600">
+              <a:defRPr>
+                <a:solidFill>
+                  <a:schemeClr val="tx1"/>
+                </a:solidFill>
+                <a:latin typeface="Calibri" panose="020F0502020204030204" pitchFamily="34" charset="0"/>
+              </a:defRPr>
+            </a:lvl3pPr>
+            <a:lvl4pPr marL="1600200" indent="-228600">
+              <a:defRPr>
+                <a:solidFill>
+                  <a:schemeClr val="tx1"/>
+                </a:solidFill>
+                <a:latin typeface="Calibri" panose="020F0502020204030204" pitchFamily="34" charset="0"/>
+              </a:defRPr>
+            </a:lvl4pPr>
+            <a:lvl5pPr marL="2057400" indent="-228600">
+              <a:defRPr>
+                <a:solidFill>
+                  <a:schemeClr val="tx1"/>
+                </a:solidFill>
+                <a:latin typeface="Calibri" panose="020F0502020204030204" pitchFamily="34" charset="0"/>
+              </a:defRPr>
+            </a:lvl5pPr>
+            <a:lvl6pPr marL="2514600" indent="-228600" eaLnBrk="0" fontAlgn="base" hangingPunct="0">
+              <a:spcBef>
+                <a:spcPct val="0"/>
+              </a:spcBef>
+              <a:spcAft>
+                <a:spcPct val="0"/>
+              </a:spcAft>
+              <a:defRPr>
+                <a:solidFill>
+                  <a:schemeClr val="tx1"/>
+                </a:solidFill>
+                <a:latin typeface="Calibri" panose="020F0502020204030204" pitchFamily="34" charset="0"/>
+              </a:defRPr>
+            </a:lvl6pPr>
+            <a:lvl7pPr marL="2971800" indent="-228600" eaLnBrk="0" fontAlgn="base" hangingPunct="0">
+              <a:spcBef>
+                <a:spcPct val="0"/>
+              </a:spcBef>
+              <a:spcAft>
+                <a:spcPct val="0"/>
+              </a:spcAft>
+              <a:defRPr>
+                <a:solidFill>
+                  <a:schemeClr val="tx1"/>
+                </a:solidFill>
+                <a:latin typeface="Calibri" panose="020F0502020204030204" pitchFamily="34" charset="0"/>
+              </a:defRPr>
+            </a:lvl7pPr>
+            <a:lvl8pPr marL="3429000" indent="-228600" eaLnBrk="0" fontAlgn="base" hangingPunct="0">
+              <a:spcBef>
+                <a:spcPct val="0"/>
+              </a:spcBef>
+              <a:spcAft>
+                <a:spcPct val="0"/>
+              </a:spcAft>
+              <a:defRPr>
+                <a:solidFill>
+                  <a:schemeClr val="tx1"/>
+                </a:solidFill>
+                <a:latin typeface="Calibri" panose="020F0502020204030204" pitchFamily="34" charset="0"/>
+              </a:defRPr>
+            </a:lvl8pPr>
+            <a:lvl9pPr marL="3886200" indent="-228600" eaLnBrk="0" fontAlgn="base" hangingPunct="0">
+              <a:spcBef>
+                <a:spcPct val="0"/>
+              </a:spcBef>
+              <a:spcAft>
+                <a:spcPct val="0"/>
+              </a:spcAft>
+              <a:defRPr>
+                <a:solidFill>
+                  <a:schemeClr val="tx1"/>
+                </a:solidFill>
+                <a:latin typeface="Calibri" panose="020F0502020204030204" pitchFamily="34" charset="0"/>
+              </a:defRPr>
+            </a:lvl9pPr>
+          </a:lstStyle>
+          <a:p>
+            <a:pPr algn="ctr" eaLnBrk="1" hangingPunct="1"/>
+            <a:r>
+              <a:rPr lang="en-US" altLang="en-US" sz="1200" dirty="0">
+                <a:latin typeface="Arial" panose="020B0604020202020204" pitchFamily="34" charset="0"/>
+                <a:ea typeface="Amazon Ember" panose="020B0603020204020204" pitchFamily="34" charset="0"/>
+                <a:cs typeface="Arial" panose="020B0604020202020204" pitchFamily="34" charset="0"/>
+              </a:rPr>
+              <a:t>AWS Step Functions</a:t>
+            </a:r>
+          </a:p>
+        </p:txBody>
+      </p:sp>
+      <p:grpSp>
+        <p:nvGrpSpPr>
+          <p:cNvPr id="99" name="Group 98">
+            <a:extLst>
+              <a:ext uri="{FF2B5EF4-FFF2-40B4-BE49-F238E27FC236}">
+                <a16:creationId xmlns:a16="http://schemas.microsoft.com/office/drawing/2014/main" id="{4BB7315F-182A-F528-6AF5-E73B0725F4B3}"/>
+              </a:ext>
+            </a:extLst>
+          </p:cNvPr>
+          <p:cNvGrpSpPr/>
+          <p:nvPr/>
+        </p:nvGrpSpPr>
+        <p:grpSpPr>
+          <a:xfrm>
+            <a:off x="5648769" y="2709603"/>
+            <a:ext cx="1362074" cy="912124"/>
+            <a:chOff x="5656294" y="2627969"/>
+            <a:chExt cx="1362074" cy="912124"/>
+          </a:xfrm>
+        </p:grpSpPr>
+        <p:sp>
+          <p:nvSpPr>
+            <p:cNvPr id="45" name="TextBox 17">
+              <a:extLst>
+                <a:ext uri="{FF2B5EF4-FFF2-40B4-BE49-F238E27FC236}">
+                  <a16:creationId xmlns:a16="http://schemas.microsoft.com/office/drawing/2014/main" id="{D082B3D4-9EEB-8208-8DD1-CAF57D68092B}"/>
+                </a:ext>
+              </a:extLst>
+            </p:cNvPr>
+            <p:cNvSpPr txBox="1">
+              <a:spLocks noChangeArrowheads="1"/>
+            </p:cNvSpPr>
+            <p:nvPr/>
+          </p:nvSpPr>
+          <p:spPr bwMode="auto">
+            <a:xfrm>
+              <a:off x="5656294" y="3078428"/>
+              <a:ext cx="1362074" cy="461665"/>
+            </a:xfrm>
+            <a:prstGeom prst="rect">
+              <a:avLst/>
+            </a:prstGeom>
+            <a:noFill/>
+            <a:ln>
+              <a:noFill/>
+            </a:ln>
+            <a:extLst>
+              <a:ext uri="{909E8E84-426E-40DD-AFC4-6F175D3DCCD1}">
+                <a14:hiddenFill xmlns:a14="http://schemas.microsoft.com/office/drawing/2010/main">
+                  <a:solidFill>
+                    <a:srgbClr val="FFFFFF"/>
+                  </a:solidFill>
+                </a14:hiddenFill>
+              </a:ext>
+              <a:ext uri="{91240B29-F687-4F45-9708-019B960494DF}">
+                <a14:hiddenLine xmlns:a14="http://schemas.microsoft.com/office/drawing/2010/main" w="9525">
+                  <a:solidFill>
+                    <a:srgbClr val="000000"/>
+                  </a:solidFill>
+                  <a:miter lim="800000"/>
+                  <a:headEnd/>
+                  <a:tailEnd/>
+                </a14:hiddenLine>
+              </a:ext>
+            </a:extLst>
+          </p:spPr>
+          <p:txBody>
+            <a:bodyPr wrap="square">
+              <a:spAutoFit/>
+            </a:bodyPr>
+            <a:lstStyle>
+              <a:lvl1pPr>
+                <a:defRPr>
+                  <a:solidFill>
+                    <a:schemeClr val="tx1"/>
+                  </a:solidFill>
+                  <a:latin typeface="Calibri" panose="020F0502020204030204" pitchFamily="34" charset="0"/>
+                </a:defRPr>
+              </a:lvl1pPr>
+              <a:lvl2pPr marL="742950" indent="-285750">
+                <a:defRPr>
+                  <a:solidFill>
+                    <a:schemeClr val="tx1"/>
+                  </a:solidFill>
+                  <a:latin typeface="Calibri" panose="020F0502020204030204" pitchFamily="34" charset="0"/>
+                </a:defRPr>
+              </a:lvl2pPr>
+              <a:lvl3pPr marL="1143000" indent="-228600">
+                <a:defRPr>
+                  <a:solidFill>
+                    <a:schemeClr val="tx1"/>
+                  </a:solidFill>
+                  <a:latin typeface="Calibri" panose="020F0502020204030204" pitchFamily="34" charset="0"/>
+                </a:defRPr>
+              </a:lvl3pPr>
+              <a:lvl4pPr marL="1600200" indent="-228600">
+                <a:defRPr>
+                  <a:solidFill>
+                    <a:schemeClr val="tx1"/>
+                  </a:solidFill>
+                  <a:latin typeface="Calibri" panose="020F0502020204030204" pitchFamily="34" charset="0"/>
+                </a:defRPr>
+              </a:lvl4pPr>
+              <a:lvl5pPr marL="2057400" indent="-228600">
+                <a:defRPr>
+                  <a:solidFill>
+                    <a:schemeClr val="tx1"/>
+                  </a:solidFill>
+                  <a:latin typeface="Calibri" panose="020F0502020204030204" pitchFamily="34" charset="0"/>
+                </a:defRPr>
+              </a:lvl5pPr>
+              <a:lvl6pPr marL="2514600" indent="-228600" eaLnBrk="0" fontAlgn="base" hangingPunct="0">
+                <a:spcBef>
+                  <a:spcPct val="0"/>
+                </a:spcBef>
+                <a:spcAft>
+                  <a:spcPct val="0"/>
+                </a:spcAft>
+                <a:defRPr>
+                  <a:solidFill>
+                    <a:schemeClr val="tx1"/>
+                  </a:solidFill>
+                  <a:latin typeface="Calibri" panose="020F0502020204030204" pitchFamily="34" charset="0"/>
+                </a:defRPr>
+              </a:lvl6pPr>
+              <a:lvl7pPr marL="2971800" indent="-228600" eaLnBrk="0" fontAlgn="base" hangingPunct="0">
+                <a:spcBef>
+                  <a:spcPct val="0"/>
+                </a:spcBef>
+                <a:spcAft>
+                  <a:spcPct val="0"/>
+                </a:spcAft>
+                <a:defRPr>
+                  <a:solidFill>
+                    <a:schemeClr val="tx1"/>
+                  </a:solidFill>
+                  <a:latin typeface="Calibri" panose="020F0502020204030204" pitchFamily="34" charset="0"/>
+                </a:defRPr>
+              </a:lvl7pPr>
+              <a:lvl8pPr marL="3429000" indent="-228600" eaLnBrk="0" fontAlgn="base" hangingPunct="0">
+                <a:spcBef>
+                  <a:spcPct val="0"/>
+                </a:spcBef>
+                <a:spcAft>
+                  <a:spcPct val="0"/>
+                </a:spcAft>
+                <a:defRPr>
+                  <a:solidFill>
+                    <a:schemeClr val="tx1"/>
+                  </a:solidFill>
+                  <a:latin typeface="Calibri" panose="020F0502020204030204" pitchFamily="34" charset="0"/>
+                </a:defRPr>
+              </a:lvl8pPr>
+              <a:lvl9pPr marL="3886200" indent="-228600" eaLnBrk="0" fontAlgn="base" hangingPunct="0">
+                <a:spcBef>
+                  <a:spcPct val="0"/>
+                </a:spcBef>
+                <a:spcAft>
+                  <a:spcPct val="0"/>
+                </a:spcAft>
+                <a:defRPr>
+                  <a:solidFill>
+                    <a:schemeClr val="tx1"/>
+                  </a:solidFill>
+                  <a:latin typeface="Calibri" panose="020F0502020204030204" pitchFamily="34" charset="0"/>
+                </a:defRPr>
+              </a:lvl9pPr>
+            </a:lstStyle>
+            <a:p>
+              <a:pPr algn="ctr"/>
+              <a:r>
+                <a:rPr lang="en-US" altLang="en-US" sz="1200" dirty="0">
+                  <a:latin typeface="Arial" panose="020B0604020202020204" pitchFamily="34" charset="0"/>
+                  <a:ea typeface="Amazon Ember" panose="020B0603020204020204" pitchFamily="34" charset="0"/>
+                  <a:cs typeface="Arial" panose="020B0604020202020204" pitchFamily="34" charset="0"/>
+                </a:rPr>
+                <a:t>Lambda Poll </a:t>
+              </a:r>
+            </a:p>
+            <a:p>
+              <a:pPr algn="ctr"/>
+              <a:r>
+                <a:rPr lang="en-US" altLang="en-US" sz="1200" dirty="0">
+                  <a:latin typeface="Arial" panose="020B0604020202020204" pitchFamily="34" charset="0"/>
+                  <a:ea typeface="Amazon Ember" panose="020B0603020204020204" pitchFamily="34" charset="0"/>
+                  <a:cs typeface="Arial" panose="020B0604020202020204" pitchFamily="34" charset="0"/>
+                </a:rPr>
+                <a:t>Job Status</a:t>
+              </a:r>
+            </a:p>
+          </p:txBody>
+        </p:sp>
+        <p:pic>
+          <p:nvPicPr>
+            <p:cNvPr id="48" name="Graphic 13">
+              <a:extLst>
+                <a:ext uri="{FF2B5EF4-FFF2-40B4-BE49-F238E27FC236}">
+                  <a16:creationId xmlns:a16="http://schemas.microsoft.com/office/drawing/2014/main" id="{AA60D883-353C-C0A1-645C-A5E6BD725897}"/>
+                </a:ext>
+              </a:extLst>
+            </p:cNvPr>
+            <p:cNvPicPr>
+              <a:picLocks noChangeAspect="1" noChangeArrowheads="1"/>
+            </p:cNvPicPr>
+            <p:nvPr/>
+          </p:nvPicPr>
+          <p:blipFill>
+            <a:blip r:embed="rId15">
+              <a:extLst>
+                <a:ext uri="{96DAC541-7B7A-43D3-8B79-37D633B846F1}">
+                  <asvg:svgBlip xmlns:asvg="http://schemas.microsoft.com/office/drawing/2016/SVG/main" r:embed="rId16"/>
+                </a:ext>
+              </a:extLst>
+            </a:blip>
+            <a:srcRect/>
+            <a:stretch/>
+          </p:blipFill>
+          <p:spPr bwMode="auto">
+            <a:xfrm>
+              <a:off x="6110431" y="2627969"/>
+              <a:ext cx="457200" cy="457200"/>
+            </a:xfrm>
+            <a:prstGeom prst="rect">
+              <a:avLst/>
+            </a:prstGeom>
+            <a:noFill/>
+            <a:ln>
+              <a:noFill/>
+            </a:ln>
+            <a:extLst>
+              <a:ext uri="{909E8E84-426E-40DD-AFC4-6F175D3DCCD1}">
+                <a14:hiddenFill xmlns:a14="http://schemas.microsoft.com/office/drawing/2010/main">
+                  <a:solidFill>
+                    <a:srgbClr val="FFFFFF"/>
+                  </a:solidFill>
+                </a14:hiddenFill>
+              </a:ext>
+              <a:ext uri="{91240B29-F687-4F45-9708-019B960494DF}">
+                <a14:hiddenLine xmlns:a14="http://schemas.microsoft.com/office/drawing/2010/main" w="9525">
+                  <a:solidFill>
+                    <a:srgbClr val="000000"/>
+                  </a:solidFill>
+                  <a:miter lim="800000"/>
+                  <a:headEnd/>
+                  <a:tailEnd/>
+                </a14:hiddenLine>
+              </a:ext>
+            </a:extLst>
+          </p:spPr>
+        </p:pic>
+      </p:grpSp>
+      <p:cxnSp>
+        <p:nvCxnSpPr>
+          <p:cNvPr id="85" name="Elbow Connector 84">
+            <a:extLst>
+              <a:ext uri="{FF2B5EF4-FFF2-40B4-BE49-F238E27FC236}">
+                <a16:creationId xmlns:a16="http://schemas.microsoft.com/office/drawing/2014/main" id="{E43C6ED2-7024-BE9F-B5BA-C6C337DE0816}"/>
+              </a:ext>
+            </a:extLst>
+          </p:cNvPr>
+          <p:cNvCxnSpPr>
+            <a:cxnSpLocks/>
+            <a:stCxn id="73" idx="1"/>
+            <a:endCxn id="12" idx="3"/>
+          </p:cNvCxnSpPr>
+          <p:nvPr/>
+        </p:nvCxnSpPr>
+        <p:spPr>
+          <a:xfrm rot="10800000">
+            <a:off x="7063065" y="2631412"/>
+            <a:ext cx="397921" cy="380"/>
+          </a:xfrm>
+          <a:prstGeom prst="bentConnector3">
+            <a:avLst>
+              <a:gd name="adj1" fmla="val 50000"/>
+            </a:avLst>
+          </a:prstGeom>
+          <a:ln w="15875">
+            <a:solidFill>
+              <a:schemeClr val="tx1"/>
+            </a:solidFill>
+            <a:headEnd type="arrow" w="med" len="sm"/>
+            <a:tailEnd type="none" w="med" len="sm"/>
+          </a:ln>
+        </p:spPr>
+        <p:style>
+          <a:lnRef idx="1">
+            <a:schemeClr val="accent1"/>
+          </a:lnRef>
+          <a:fillRef idx="0">
+            <a:schemeClr val="accent1"/>
+          </a:fillRef>
+          <a:effectRef idx="0">
+            <a:schemeClr val="accent1"/>
+          </a:effectRef>
+          <a:fontRef idx="minor">
+            <a:schemeClr val="tx1"/>
+          </a:fontRef>
+        </p:style>
+      </p:cxnSp>
+      <p:cxnSp>
+        <p:nvCxnSpPr>
+          <p:cNvPr id="102" name="Straight Arrow Connector 101">
+            <a:extLst>
+              <a:ext uri="{FF2B5EF4-FFF2-40B4-BE49-F238E27FC236}">
+                <a16:creationId xmlns:a16="http://schemas.microsoft.com/office/drawing/2014/main" id="{7A7EC4C6-28F5-0B53-46EF-C398D7D7CF15}"/>
+              </a:ext>
+            </a:extLst>
+          </p:cNvPr>
+          <p:cNvCxnSpPr>
+            <a:cxnSpLocks/>
+            <a:stCxn id="39" idx="3"/>
+            <a:endCxn id="12" idx="1"/>
+          </p:cNvCxnSpPr>
+          <p:nvPr/>
+        </p:nvCxnSpPr>
+        <p:spPr>
+          <a:xfrm flipV="1">
+            <a:off x="4955958" y="2631412"/>
+            <a:ext cx="664575" cy="3817"/>
+          </a:xfrm>
+          <a:prstGeom prst="straightConnector1">
+            <a:avLst/>
+          </a:prstGeom>
+          <a:ln w="15875">
+            <a:solidFill>
+              <a:schemeClr val="tx1"/>
+            </a:solidFill>
+            <a:headEnd type="none" w="med" len="sm"/>
+            <a:tailEnd type="arrow" w="med" len="sm"/>
+          </a:ln>
+        </p:spPr>
+        <p:style>
+          <a:lnRef idx="1">
+            <a:schemeClr val="accent1"/>
+          </a:lnRef>
+          <a:fillRef idx="0">
+            <a:schemeClr val="accent1"/>
+          </a:fillRef>
+          <a:effectRef idx="0">
+            <a:schemeClr val="accent1"/>
+          </a:effectRef>
+          <a:fontRef idx="minor">
+            <a:schemeClr val="tx1"/>
+          </a:fontRef>
+        </p:style>
+      </p:cxnSp>
     </p:spTree>
     <p:extLst>
       <p:ext uri="{BB962C8B-B14F-4D97-AF65-F5344CB8AC3E}">
-        <p14:creationId xmlns:p14="http://schemas.microsoft.com/office/powerpoint/2010/main" val="554054869"/>
+        <p14:creationId xmlns:p14="http://schemas.microsoft.com/office/powerpoint/2010/main" val="364496960"/>
       </p:ext>
     </p:extLst>
   </p:cSld>
